--- a/Projeto-AjudeMais/002-Acompanhamento/Iteracao-04/ADR - apresentacao de resultados-IT04.pptx
+++ b/Projeto-AjudeMais/002-Acompanhamento/Iteracao-04/ADR - apresentacao de resultados-IT04.pptx
@@ -16,9 +16,8 @@
     <p:sldId id="266" r:id="rId11"/>
     <p:sldId id="267" r:id="rId12"/>
     <p:sldId id="268" r:id="rId13"/>
-    <p:sldId id="269" r:id="rId14"/>
-    <p:sldId id="270" r:id="rId15"/>
-    <p:sldId id="271" r:id="rId16"/>
+    <p:sldId id="270" r:id="rId14"/>
+    <p:sldId id="271" r:id="rId15"/>
   </p:sldIdLst>
   <p:sldSz cx="9144000" cy="6858000"/>
   <p:notesSz cx="7559675" cy="10691495"/>
@@ -4135,6 +4134,30 @@
           </a:p>
         </p:txBody>
       </p:sp>
+      <p:pic>
+        <p:nvPicPr>
+          <p:cNvPr id="2" name="Picture 1" descr="Screenshot from 2017-06-22 10-15-23"/>
+          <p:cNvPicPr>
+            <a:picLocks noChangeAspect="1"/>
+          </p:cNvPicPr>
+          <p:nvPr/>
+        </p:nvPicPr>
+        <p:blipFill>
+          <a:blip r:embed="rId1"/>
+          <a:stretch>
+            <a:fillRect/>
+          </a:stretch>
+        </p:blipFill>
+        <p:spPr>
+          <a:xfrm>
+            <a:off x="977265" y="1235710"/>
+            <a:ext cx="7072630" cy="5468620"/>
+          </a:xfrm>
+          <a:prstGeom prst="rect">
+            <a:avLst/>
+          </a:prstGeom>
+        </p:spPr>
+      </p:pic>
     </p:spTree>
   </p:cSld>
   <p:clrMapOvr>
@@ -4169,7 +4192,7 @@
       </p:grpSpPr>
       <p:sp>
         <p:nvSpPr>
-          <p:cNvPr id="98" name="CustomShape 1"/>
+          <p:cNvPr id="100" name="CustomShape 1"/>
           <p:cNvSpPr/>
           <p:nvPr/>
         </p:nvSpPr>
@@ -4207,7 +4230,7 @@
               </a:lnSpc>
             </a:pPr>
             <a:r>
-              <a:rPr lang="pt-BR" sz="3200" b="0" strike="noStrike" spc="-1">
+              <a:rPr lang="pt-BR" sz="4400" b="0" strike="noStrike" spc="-1">
                 <a:solidFill>
                   <a:srgbClr val="000000"/>
                 </a:solidFill>
@@ -4219,7 +4242,7 @@
                 <a:latin typeface="Calibri"/>
                 <a:ea typeface="DejaVu Sans"/>
               </a:rPr>
-              <a:t>Métricas – SONAR </a:t>
+              <a:t>Demais métricas</a:t>
             </a:r>
             <a:endParaRPr lang="pt-BR" sz="1800" b="0" strike="noStrike" spc="-1">
               <a:solidFill>
@@ -4231,6 +4254,77 @@
                 </a:solidFill>
               </a:uFill>
               <a:latin typeface="Arial" charset="0"/>
+            </a:endParaRPr>
+          </a:p>
+        </p:txBody>
+      </p:sp>
+      <p:sp>
+        <p:nvSpPr>
+          <p:cNvPr id="101" name="CustomShape 2"/>
+          <p:cNvSpPr/>
+          <p:nvPr/>
+        </p:nvSpPr>
+        <p:spPr>
+          <a:xfrm>
+            <a:off x="457200" y="1600200"/>
+            <a:ext cx="8539920" cy="4522680"/>
+          </a:xfrm>
+          <a:prstGeom prst="rect">
+            <a:avLst/>
+          </a:prstGeom>
+          <a:noFill/>
+          <a:ln>
+            <a:noFill/>
+          </a:ln>
+        </p:spPr>
+        <p:style>
+          <a:lnRef idx="0">
+            <a:srgbClr val="FFFFFF"/>
+          </a:lnRef>
+          <a:fillRef idx="0">
+            <a:srgbClr val="FFFFFF"/>
+          </a:fillRef>
+          <a:effectRef idx="0">
+            <a:srgbClr val="FFFFFF"/>
+          </a:effectRef>
+          <a:fontRef idx="minor"/>
+        </p:style>
+        <p:txBody>
+          <a:bodyPr lIns="90000" tIns="45000" rIns="90000" bIns="45000"/>
+          <a:p>
+            <a:pPr>
+              <a:lnSpc>
+                <a:spcPct val="100000"/>
+              </a:lnSpc>
+            </a:pPr>
+            <a:r>
+              <a:rPr lang="pt-BR" sz="2800" b="0" u="sng" strike="noStrike" spc="-1">
+                <a:solidFill>
+                  <a:srgbClr val="0000FF"/>
+                </a:solidFill>
+                <a:uFill>
+                  <a:solidFill>
+                    <a:srgbClr val="FFFFFF"/>
+                  </a:solidFill>
+                </a:uFill>
+                <a:latin typeface="Calibri"/>
+                <a:ea typeface="DejaVu Sans"/>
+                <a:hlinkClick r:id="rId1"/>
+              </a:rPr>
+              <a:t>https://github.com/AjudeMais/AjudeMais/tree/development/Sistema/002-Implementacao/ajudeMais-ws</a:t>
+            </a:r>
+            <a:endParaRPr lang="pt-BR" sz="2800" b="0" u="sng" strike="noStrike" spc="-1">
+              <a:solidFill>
+                <a:srgbClr val="0000FF"/>
+              </a:solidFill>
+              <a:uFill>
+                <a:solidFill>
+                  <a:srgbClr val="FFFFFF"/>
+                </a:solidFill>
+              </a:uFill>
+              <a:latin typeface="Calibri"/>
+              <a:ea typeface="DejaVu Sans"/>
+              <a:hlinkClick r:id="rId1"/>
             </a:endParaRPr>
           </a:p>
         </p:txBody>
@@ -4251,177 +4345,6 @@
 </file>
 
 <file path=ppt/slides/slide12.xml><?xml version="1.0" encoding="utf-8"?>
-<p:sld xmlns:a="http://schemas.openxmlformats.org/drawingml/2006/main" xmlns:r="http://schemas.openxmlformats.org/officeDocument/2006/relationships" xmlns:p="http://schemas.openxmlformats.org/presentationml/2006/main">
-  <p:cSld>
-    <p:spTree>
-      <p:nvGrpSpPr>
-        <p:cNvPr id="1" name=""/>
-        <p:cNvGrpSpPr/>
-        <p:nvPr/>
-      </p:nvGrpSpPr>
-      <p:grpSpPr>
-        <a:xfrm>
-          <a:off x="0" y="0"/>
-          <a:ext cx="0" cy="0"/>
-          <a:chOff x="0" y="0"/>
-          <a:chExt cx="0" cy="0"/>
-        </a:xfrm>
-      </p:grpSpPr>
-      <p:sp>
-        <p:nvSpPr>
-          <p:cNvPr id="100" name="CustomShape 1"/>
-          <p:cNvSpPr/>
-          <p:nvPr/>
-        </p:nvSpPr>
-        <p:spPr>
-          <a:xfrm>
-            <a:off x="457200" y="274680"/>
-            <a:ext cx="8226360" cy="1139760"/>
-          </a:xfrm>
-          <a:prstGeom prst="rect">
-            <a:avLst/>
-          </a:prstGeom>
-          <a:noFill/>
-          <a:ln>
-            <a:noFill/>
-          </a:ln>
-        </p:spPr>
-        <p:style>
-          <a:lnRef idx="0">
-            <a:srgbClr val="FFFFFF"/>
-          </a:lnRef>
-          <a:fillRef idx="0">
-            <a:srgbClr val="FFFFFF"/>
-          </a:fillRef>
-          <a:effectRef idx="0">
-            <a:srgbClr val="FFFFFF"/>
-          </a:effectRef>
-          <a:fontRef idx="minor"/>
-        </p:style>
-        <p:txBody>
-          <a:bodyPr lIns="90000" tIns="45000" rIns="90000" bIns="45000" anchor="ctr"/>
-          <a:p>
-            <a:pPr algn="ctr">
-              <a:lnSpc>
-                <a:spcPct val="100000"/>
-              </a:lnSpc>
-            </a:pPr>
-            <a:r>
-              <a:rPr lang="pt-BR" sz="4400" b="0" strike="noStrike" spc="-1">
-                <a:solidFill>
-                  <a:srgbClr val="000000"/>
-                </a:solidFill>
-                <a:uFill>
-                  <a:solidFill>
-                    <a:srgbClr val="FFFFFF"/>
-                  </a:solidFill>
-                </a:uFill>
-                <a:latin typeface="Calibri"/>
-                <a:ea typeface="DejaVu Sans"/>
-              </a:rPr>
-              <a:t>Demais métricas</a:t>
-            </a:r>
-            <a:endParaRPr lang="pt-BR" sz="1800" b="0" strike="noStrike" spc="-1">
-              <a:solidFill>
-                <a:srgbClr val="000000"/>
-              </a:solidFill>
-              <a:uFill>
-                <a:solidFill>
-                  <a:srgbClr val="FFFFFF"/>
-                </a:solidFill>
-              </a:uFill>
-              <a:latin typeface="Arial" charset="0"/>
-            </a:endParaRPr>
-          </a:p>
-        </p:txBody>
-      </p:sp>
-      <p:sp>
-        <p:nvSpPr>
-          <p:cNvPr id="101" name="CustomShape 2"/>
-          <p:cNvSpPr/>
-          <p:nvPr/>
-        </p:nvSpPr>
-        <p:spPr>
-          <a:xfrm>
-            <a:off x="457200" y="1600200"/>
-            <a:ext cx="8539920" cy="4522680"/>
-          </a:xfrm>
-          <a:prstGeom prst="rect">
-            <a:avLst/>
-          </a:prstGeom>
-          <a:noFill/>
-          <a:ln>
-            <a:noFill/>
-          </a:ln>
-        </p:spPr>
-        <p:style>
-          <a:lnRef idx="0">
-            <a:srgbClr val="FFFFFF"/>
-          </a:lnRef>
-          <a:fillRef idx="0">
-            <a:srgbClr val="FFFFFF"/>
-          </a:fillRef>
-          <a:effectRef idx="0">
-            <a:srgbClr val="FFFFFF"/>
-          </a:effectRef>
-          <a:fontRef idx="minor"/>
-        </p:style>
-        <p:txBody>
-          <a:bodyPr lIns="90000" tIns="45000" rIns="90000" bIns="45000"/>
-          <a:p>
-            <a:pPr>
-              <a:lnSpc>
-                <a:spcPct val="100000"/>
-              </a:lnSpc>
-            </a:pPr>
-            <a:r>
-              <a:rPr lang="pt-BR" sz="2800" b="0" u="sng" strike="noStrike" spc="-1">
-                <a:solidFill>
-                  <a:srgbClr val="0000FF"/>
-                </a:solidFill>
-                <a:uFill>
-                  <a:solidFill>
-                    <a:srgbClr val="FFFFFF"/>
-                  </a:solidFill>
-                </a:uFill>
-                <a:latin typeface="Calibri"/>
-                <a:ea typeface="DejaVu Sans"/>
-                <a:hlinkClick r:id="rId1"/>
-              </a:rPr>
-              <a:t>https://github.com/AjudeMais/AjudeMais/tree/development/Sistema/002-Implementacao/ajudeMais-ws</a:t>
-            </a:r>
-            <a:endParaRPr lang="pt-BR" sz="2800" b="0" u="sng" strike="noStrike" spc="-1">
-              <a:solidFill>
-                <a:srgbClr val="0000FF"/>
-              </a:solidFill>
-              <a:uFill>
-                <a:solidFill>
-                  <a:srgbClr val="FFFFFF"/>
-                </a:solidFill>
-              </a:uFill>
-              <a:latin typeface="Calibri"/>
-              <a:ea typeface="DejaVu Sans"/>
-              <a:hlinkClick r:id="rId1"/>
-            </a:endParaRPr>
-          </a:p>
-        </p:txBody>
-      </p:sp>
-    </p:spTree>
-  </p:cSld>
-  <p:clrMapOvr>
-    <a:masterClrMapping/>
-  </p:clrMapOvr>
-  <p:timing>
-    <p:tnLst>
-      <p:par>
-        <p:cTn id="1" dur="indefinite" restart="never" nodeType="tmRoot"/>
-      </p:par>
-    </p:tnLst>
-  </p:timing>
-</p:sld>
-</file>
-
-<file path=ppt/slides/slide13.xml><?xml version="1.0" encoding="utf-8"?>
 <p:sld xmlns:a="http://schemas.openxmlformats.org/drawingml/2006/main" xmlns:r="http://schemas.openxmlformats.org/officeDocument/2006/relationships" xmlns:p="http://schemas.openxmlformats.org/presentationml/2006/main">
   <p:cSld>
     <p:spTree>
@@ -6302,6 +6225,30 @@
           </a:p>
         </p:txBody>
       </p:sp>
+      <p:pic>
+        <p:nvPicPr>
+          <p:cNvPr id="2" name="Picture 1" descr="Screenshot from 2017-06-21 18-02-47"/>
+          <p:cNvPicPr>
+            <a:picLocks noChangeAspect="1"/>
+          </p:cNvPicPr>
+          <p:nvPr/>
+        </p:nvPicPr>
+        <p:blipFill>
+          <a:blip r:embed="rId1"/>
+          <a:stretch>
+            <a:fillRect/>
+          </a:stretch>
+        </p:blipFill>
+        <p:spPr>
+          <a:xfrm>
+            <a:off x="92710" y="1405890"/>
+            <a:ext cx="8967470" cy="5041900"/>
+          </a:xfrm>
+          <a:prstGeom prst="rect">
+            <a:avLst/>
+          </a:prstGeom>
+        </p:spPr>
+      </p:pic>
     </p:spTree>
   </p:cSld>
   <p:clrMapOvr>

--- a/Projeto-AjudeMais/002-Acompanhamento/Iteracao-04/ADR - apresentacao de resultados-IT04.pptx
+++ b/Projeto-AjudeMais/002-Acompanhamento/Iteracao-04/ADR - apresentacao de resultados-IT04.pptx
@@ -4590,6 +4590,103 @@
           </a:p>
         </p:txBody>
       </p:sp>
+      <p:sp>
+        <p:nvSpPr>
+          <p:cNvPr id="83" name="CustomShape 2"/>
+          <p:cNvSpPr/>
+          <p:nvPr/>
+        </p:nvSpPr>
+        <p:spPr>
+          <a:xfrm>
+            <a:off x="337185" y="1756410"/>
+            <a:ext cx="8539920" cy="4522680"/>
+          </a:xfrm>
+          <a:prstGeom prst="rect">
+            <a:avLst/>
+          </a:prstGeom>
+          <a:noFill/>
+          <a:ln>
+            <a:noFill/>
+          </a:ln>
+        </p:spPr>
+        <p:style>
+          <a:lnRef idx="0">
+            <a:srgbClr val="FFFFFF"/>
+          </a:lnRef>
+          <a:fillRef idx="0">
+            <a:srgbClr val="FFFFFF"/>
+          </a:fillRef>
+          <a:effectRef idx="0">
+            <a:srgbClr val="FFFFFF"/>
+          </a:effectRef>
+          <a:fontRef idx="minor"/>
+        </p:style>
+        <p:txBody>
+          <a:bodyPr lIns="90000" tIns="45000" rIns="90000" bIns="45000"/>
+          <a:p>
+            <a:pPr marL="288925" indent="-285750" algn="just">
+              <a:lnSpc>
+                <a:spcPct val="100000"/>
+              </a:lnSpc>
+              <a:buClr>
+                <a:srgbClr val="000000"/>
+              </a:buClr>
+              <a:buSzPct val="45000"/>
+              <a:buFont typeface="Arial" charset="0"/>
+              <a:buChar char="•"/>
+            </a:pPr>
+            <a:r>
+              <a:rPr lang="x-none" altLang="pt-BR" sz="2800" b="0" strike="noStrike" spc="-1">
+                <a:solidFill>
+                  <a:srgbClr val="000000"/>
+                </a:solidFill>
+                <a:uFill>
+                  <a:solidFill>
+                    <a:srgbClr val="FFFFFF"/>
+                  </a:solidFill>
+                </a:uFill>
+                <a:latin typeface="Arial" charset="0"/>
+              </a:rPr>
+              <a:t>Verificar atividades dos demais membros e manter código atualizado, a fim de evitar conflitos de versão do código.</a:t>
+            </a:r>
+            <a:endParaRPr lang="x-none" altLang="pt-BR" sz="2800" b="0" strike="noStrike" spc="-1">
+              <a:solidFill>
+                <a:srgbClr val="000000"/>
+              </a:solidFill>
+              <a:uFill>
+                <a:solidFill>
+                  <a:srgbClr val="FFFFFF"/>
+                </a:solidFill>
+              </a:uFill>
+              <a:latin typeface="Arial" charset="0"/>
+            </a:endParaRPr>
+          </a:p>
+          <a:p>
+            <a:pPr marL="288925" indent="-285750" algn="just">
+              <a:lnSpc>
+                <a:spcPct val="100000"/>
+              </a:lnSpc>
+              <a:buClr>
+                <a:srgbClr val="000000"/>
+              </a:buClr>
+              <a:buSzPct val="45000"/>
+              <a:buFont typeface="Arial" charset="0"/>
+              <a:buChar char="•"/>
+            </a:pPr>
+            <a:endParaRPr lang="pt-BR" sz="2800" b="0" strike="noStrike" spc="-1">
+              <a:solidFill>
+                <a:srgbClr val="000000"/>
+              </a:solidFill>
+              <a:uFill>
+                <a:solidFill>
+                  <a:srgbClr val="FFFFFF"/>
+                </a:solidFill>
+              </a:uFill>
+              <a:latin typeface="Arial" charset="0"/>
+            </a:endParaRPr>
+          </a:p>
+        </p:txBody>
+      </p:sp>
     </p:spTree>
   </p:cSld>
   <p:clrMapOvr>
@@ -5849,7 +5946,7 @@
         </p:nvSpPr>
         <p:spPr>
           <a:xfrm>
-            <a:off x="457200" y="274680"/>
+            <a:off x="456565" y="290555"/>
             <a:ext cx="8226360" cy="1139760"/>
           </a:xfrm>
           <a:prstGeom prst="rect">
